--- a/MyCellar Presentation.pptx
+++ b/MyCellar Presentation.pptx
@@ -288,6 +288,7 @@
     <p1510:client id="{1A47095E-5DB4-43B8-8CD7-8451A85A4FB6}" v="174" dt="2022-03-29T17:41:06.312"/>
     <p1510:client id="{88182DE8-795A-454F-8437-ACE0F294C298}" v="38" dt="2022-03-29T17:26:22.243"/>
     <p1510:client id="{96925DCA-29FE-4F70-A646-9001BF9418C8}" v="127" dt="2022-03-29T17:59:54.217"/>
+    <p1510:client id="{9E141F26-28AD-4735-AB2A-7D0A6AD46C16}" v="11" dt="2022-03-29T18:30:46.439"/>
     <p1510:client id="{DB5D2508-B0AD-46E4-8821-CCC8F4BEC3A1}" v="1" dt="2022-03-29T17:11:30.965"/>
     <p1510:client id="{ECA3BF5B-7DFA-42E0-BC1D-0B2648694289}" v="303" dt="2022-03-29T17:36:46.708"/>
   </p1510:revLst>
@@ -660,6 +661,30 @@
           <pc:docMk/>
           <pc:sldMk cId="4174056077" sldId="317"/>
         </pc:sldMkLst>
+      </pc:sldChg>
+    </pc:docChg>
+  </pc:docChgLst>
+  <pc:docChgLst>
+    <pc:chgData name="Véronique Karwowska" userId="S::1282838@edu.vaniercollege.qc.ca::b38c6c6a-2c9a-4728-9cbb-38e64257b5c2" providerId="AD" clId="Web-{9E141F26-28AD-4735-AB2A-7D0A6AD46C16}"/>
+    <pc:docChg chg="modSld">
+      <pc:chgData name="Véronique Karwowska" userId="S::1282838@edu.vaniercollege.qc.ca::b38c6c6a-2c9a-4728-9cbb-38e64257b5c2" providerId="AD" clId="Web-{9E141F26-28AD-4735-AB2A-7D0A6AD46C16}" dt="2022-03-29T18:30:46.439" v="10" actId="20577"/>
+      <pc:docMkLst>
+        <pc:docMk/>
+      </pc:docMkLst>
+      <pc:sldChg chg="modSp">
+        <pc:chgData name="Véronique Karwowska" userId="S::1282838@edu.vaniercollege.qc.ca::b38c6c6a-2c9a-4728-9cbb-38e64257b5c2" providerId="AD" clId="Web-{9E141F26-28AD-4735-AB2A-7D0A6AD46C16}" dt="2022-03-29T18:30:46.439" v="10" actId="20577"/>
+        <pc:sldMkLst>
+          <pc:docMk/>
+          <pc:sldMk cId="3064208266" sldId="322"/>
+        </pc:sldMkLst>
+        <pc:spChg chg="mod">
+          <ac:chgData name="Véronique Karwowska" userId="S::1282838@edu.vaniercollege.qc.ca::b38c6c6a-2c9a-4728-9cbb-38e64257b5c2" providerId="AD" clId="Web-{9E141F26-28AD-4735-AB2A-7D0A6AD46C16}" dt="2022-03-29T18:30:46.439" v="10" actId="20577"/>
+          <ac:spMkLst>
+            <pc:docMk/>
+            <pc:sldMk cId="3064208266" sldId="322"/>
+            <ac:spMk id="733" creationId="{00000000-0000-0000-0000-000000000000}"/>
+          </ac:spMkLst>
+        </pc:spChg>
       </pc:sldChg>
     </pc:docChg>
   </pc:docChgLst>
@@ -33050,7 +33075,52 @@
               <a:rPr lang="en-US" sz="1400" dirty="0"/>
               <a:t> application in only the first prototype of our project. New features might be added in order to make the project more challenging and exiting.</a:t>
             </a:r>
-            <a:endParaRPr sz="1400" dirty="0"/>
+          </a:p>
+          <a:p>
+            <a:pPr marL="0" indent="0">
+              <a:buNone/>
+            </a:pPr>
+            <a:endParaRPr lang="en-US" sz="1400" dirty="0"/>
+          </a:p>
+          <a:p>
+            <a:pPr marL="0" indent="0">
+              <a:buNone/>
+            </a:pPr>
+            <a:endParaRPr lang="en-US" sz="1400" dirty="0"/>
+          </a:p>
+          <a:p>
+            <a:pPr marL="0" indent="0">
+              <a:buNone/>
+            </a:pPr>
+            <a:endParaRPr lang="en-US" sz="1400" dirty="0"/>
+          </a:p>
+          <a:p>
+            <a:pPr marL="0" indent="0">
+              <a:buNone/>
+            </a:pPr>
+            <a:endParaRPr lang="en-US" sz="1400" dirty="0"/>
+          </a:p>
+          <a:p>
+            <a:pPr marL="0" indent="0">
+              <a:buNone/>
+            </a:pPr>
+            <a:r>
+              <a:rPr lang="en-US" sz="1400"/>
+              <a:t>GitHub link: </a:t>
+            </a:r>
+            <a:r>
+              <a:rPr lang="en-US" sz="1400" dirty="0">
+                <a:hlinkClick r:id="rId3"/>
+              </a:rPr>
+              <a:t>https://github.com/VeroKar/Application_Development_Project.git</a:t>
+            </a:r>
+            <a:endParaRPr lang="en-US" sz="1400" dirty="0"/>
+          </a:p>
+          <a:p>
+            <a:pPr marL="0" indent="0">
+              <a:buNone/>
+            </a:pPr>
+            <a:endParaRPr lang="en-US" sz="1400" dirty="0"/>
           </a:p>
         </p:txBody>
       </p:sp>

--- a/MyCellar Presentation.pptx
+++ b/MyCellar Presentation.pptx
@@ -27,21 +27,29 @@
   <p:notesSz cx="6858000" cy="9144000"/>
   <p:embeddedFontLst>
     <p:embeddedFont>
+      <p:font typeface="Nunito" pitchFamily="2" charset="0"/>
+      <p:regular r:id="rId17"/>
+    </p:embeddedFont>
+    <p:embeddedFont>
       <p:font typeface="Oswald" panose="00000500000000000000" pitchFamily="2" charset="0"/>
-      <p:regular r:id="rId17"/>
-      <p:bold r:id="rId18"/>
+      <p:regular r:id="rId18"/>
+      <p:bold r:id="rId19"/>
     </p:embeddedFont>
     <p:embeddedFont>
       <p:font typeface="Oswald Medium" panose="00000600000000000000" pitchFamily="2" charset="0"/>
-      <p:regular r:id="rId19"/>
-      <p:bold r:id="rId20"/>
+      <p:regular r:id="rId20"/>
+      <p:bold r:id="rId21"/>
+    </p:embeddedFont>
+    <p:embeddedFont>
+      <p:font typeface="Roboto Condensed Light" panose="02000000000000000000" pitchFamily="2" charset="0"/>
+      <p:regular r:id="rId22"/>
     </p:embeddedFont>
     <p:embeddedFont>
       <p:font typeface="Titillium Web" panose="00000500000000000000" pitchFamily="2" charset="0"/>
-      <p:regular r:id="rId21"/>
-      <p:bold r:id="rId22"/>
-      <p:italic r:id="rId23"/>
-      <p:boldItalic r:id="rId24"/>
+      <p:regular r:id="rId23"/>
+      <p:bold r:id="rId24"/>
+      <p:italic r:id="rId25"/>
+      <p:boldItalic r:id="rId26"/>
     </p:embeddedFont>
   </p:embeddedFontLst>
   <p:defaultTextStyle>
@@ -35843,38 +35851,117 @@
               <a:rPr lang="en-US" sz="1600" dirty="0"/>
               <a:t>The Login view of the application will have an option to remember the username, this will make the sign in process more efficient as the user will spent less time entering their credentials.</a:t>
             </a:r>
+          </a:p>
+          <a:p>
+            <a:pPr marL="152400" indent="0">
+              <a:buNone/>
+            </a:pPr>
+            <a:endParaRPr lang="en-US" sz="1600" dirty="0"/>
+          </a:p>
+          <a:p>
+            <a:pPr marL="152400" indent="0">
+              <a:buNone/>
+            </a:pPr>
+            <a:r>
+              <a:rPr lang="en-US" sz="1600" dirty="0"/>
+              <a:t>Can create an account if you don’t have one yet.</a:t>
+            </a:r>
             <a:endParaRPr lang="en-US" dirty="0"/>
           </a:p>
         </p:txBody>
       </p:sp>
       <p:pic>
         <p:nvPicPr>
-          <p:cNvPr id="2" name="Picture 2" descr="Graphical user interface, application&#10;&#10;Description automatically generated">
+          <p:cNvPr id="1026" name="Picture 2">
             <a:extLst>
               <a:ext uri="{FF2B5EF4-FFF2-40B4-BE49-F238E27FC236}">
-                <a16:creationId xmlns:a16="http://schemas.microsoft.com/office/drawing/2014/main" id="{DCADD904-112E-E9E6-7218-44EAD8A83CE2}"/>
+                <a16:creationId xmlns:a16="http://schemas.microsoft.com/office/drawing/2014/main" id="{8559760D-C7A0-449A-8925-CDDD76C0DA66}"/>
               </a:ext>
             </a:extLst>
           </p:cNvPr>
           <p:cNvPicPr>
-            <a:picLocks noChangeAspect="1"/>
+            <a:picLocks noChangeAspect="1" noChangeArrowheads="1"/>
           </p:cNvPicPr>
           <p:nvPr/>
         </p:nvPicPr>
         <p:blipFill>
-          <a:blip r:embed="rId3"/>
+          <a:blip r:embed="rId3">
+            <a:extLst>
+              <a:ext uri="{28A0092B-C50C-407E-A947-70E740481C1C}">
+                <a14:useLocalDpi xmlns:a14="http://schemas.microsoft.com/office/drawing/2010/main" val="0"/>
+              </a:ext>
+            </a:extLst>
+          </a:blip>
+          <a:srcRect/>
           <a:stretch>
             <a:fillRect/>
           </a:stretch>
         </p:blipFill>
-        <p:spPr>
+        <p:spPr bwMode="auto">
           <a:xfrm>
-            <a:off x="4832629" y="1354385"/>
-            <a:ext cx="1826713" cy="3426246"/>
+            <a:off x="2116899" y="1034175"/>
+            <a:ext cx="7127309" cy="3761635"/>
           </a:xfrm>
           <a:prstGeom prst="rect">
             <a:avLst/>
           </a:prstGeom>
+          <a:noFill/>
+          <a:extLst>
+            <a:ext uri="{909E8E84-426E-40DD-AFC4-6F175D3DCCD1}">
+              <a14:hiddenFill xmlns:a14="http://schemas.microsoft.com/office/drawing/2010/main">
+                <a:solidFill>
+                  <a:srgbClr val="FFFFFF"/>
+                </a:solidFill>
+              </a14:hiddenFill>
+            </a:ext>
+          </a:extLst>
+        </p:spPr>
+      </p:pic>
+      <p:pic>
+        <p:nvPicPr>
+          <p:cNvPr id="1030" name="Picture 6">
+            <a:extLst>
+              <a:ext uri="{FF2B5EF4-FFF2-40B4-BE49-F238E27FC236}">
+                <a16:creationId xmlns:a16="http://schemas.microsoft.com/office/drawing/2014/main" id="{A91076FF-F940-4D3B-9ABE-5EBD186A4A6F}"/>
+              </a:ext>
+            </a:extLst>
+          </p:cNvPr>
+          <p:cNvPicPr>
+            <a:picLocks noChangeAspect="1" noChangeArrowheads="1"/>
+          </p:cNvPicPr>
+          <p:nvPr/>
+        </p:nvPicPr>
+        <p:blipFill>
+          <a:blip r:embed="rId4">
+            <a:extLst>
+              <a:ext uri="{28A0092B-C50C-407E-A947-70E740481C1C}">
+                <a14:useLocalDpi xmlns:a14="http://schemas.microsoft.com/office/drawing/2010/main" val="0"/>
+              </a:ext>
+            </a:extLst>
+          </a:blip>
+          <a:srcRect/>
+          <a:stretch>
+            <a:fillRect/>
+          </a:stretch>
+        </p:blipFill>
+        <p:spPr bwMode="auto">
+          <a:xfrm>
+            <a:off x="4359059" y="1034174"/>
+            <a:ext cx="7127308" cy="3761635"/>
+          </a:xfrm>
+          <a:prstGeom prst="rect">
+            <a:avLst/>
+          </a:prstGeom>
+          <a:noFill/>
+          <a:extLst>
+            <a:ext uri="{909E8E84-426E-40DD-AFC4-6F175D3DCCD1}">
+              <a14:hiddenFill xmlns:a14="http://schemas.microsoft.com/office/drawing/2010/main">
+                <a:solidFill>
+                  <a:srgbClr val="FFFFFF"/>
+                </a:solidFill>
+              </a14:hiddenFill>
+            </a:ext>
+          </a:extLst>
         </p:spPr>
       </p:pic>
     </p:spTree>

--- a/MyCellar Presentation.pptx
+++ b/MyCellar Presentation.pptx
@@ -5,7 +5,7 @@
     <p:sldMasterId id="2147483681" r:id="rId1"/>
   </p:sldMasterIdLst>
   <p:notesMasterIdLst>
-    <p:notesMasterId r:id="rId16"/>
+    <p:notesMasterId r:id="rId17"/>
   </p:notesMasterIdLst>
   <p:sldIdLst>
     <p:sldId id="256" r:id="rId2"/>
@@ -18,38 +18,39 @@
     <p:sldId id="317" r:id="rId9"/>
     <p:sldId id="315" r:id="rId10"/>
     <p:sldId id="316" r:id="rId11"/>
-    <p:sldId id="318" r:id="rId12"/>
-    <p:sldId id="319" r:id="rId13"/>
-    <p:sldId id="321" r:id="rId14"/>
-    <p:sldId id="322" r:id="rId15"/>
+    <p:sldId id="323" r:id="rId12"/>
+    <p:sldId id="318" r:id="rId13"/>
+    <p:sldId id="319" r:id="rId14"/>
+    <p:sldId id="321" r:id="rId15"/>
+    <p:sldId id="322" r:id="rId16"/>
   </p:sldIdLst>
   <p:sldSz cx="9144000" cy="5143500" type="screen16x9"/>
   <p:notesSz cx="6858000" cy="9144000"/>
   <p:embeddedFontLst>
     <p:embeddedFont>
-      <p:font typeface="Nunito" pitchFamily="2" charset="0"/>
-      <p:regular r:id="rId17"/>
+      <p:font typeface="Nunito" panose="020B0604020202020204" charset="0"/>
+      <p:regular r:id="rId18"/>
     </p:embeddedFont>
     <p:embeddedFont>
-      <p:font typeface="Oswald" panose="00000500000000000000" pitchFamily="2" charset="0"/>
-      <p:regular r:id="rId18"/>
-      <p:bold r:id="rId19"/>
+      <p:font typeface="Oswald" panose="020B0604020202020204" charset="0"/>
+      <p:regular r:id="rId19"/>
+      <p:bold r:id="rId20"/>
     </p:embeddedFont>
     <p:embeddedFont>
-      <p:font typeface="Oswald Medium" panose="00000600000000000000" pitchFamily="2" charset="0"/>
-      <p:regular r:id="rId20"/>
-      <p:bold r:id="rId21"/>
+      <p:font typeface="Oswald Medium" panose="020B0604020202020204" charset="0"/>
+      <p:regular r:id="rId21"/>
+      <p:bold r:id="rId22"/>
     </p:embeddedFont>
     <p:embeddedFont>
-      <p:font typeface="Roboto Condensed Light" panose="02000000000000000000" pitchFamily="2" charset="0"/>
-      <p:regular r:id="rId22"/>
+      <p:font typeface="Roboto Condensed Light" panose="020B0604020202020204" charset="0"/>
+      <p:regular r:id="rId23"/>
     </p:embeddedFont>
     <p:embeddedFont>
-      <p:font typeface="Titillium Web" panose="00000500000000000000" pitchFamily="2" charset="0"/>
-      <p:regular r:id="rId23"/>
-      <p:bold r:id="rId24"/>
-      <p:italic r:id="rId25"/>
-      <p:boldItalic r:id="rId26"/>
+      <p:font typeface="Titillium Web" panose="020B0604020202020204" charset="0"/>
+      <p:regular r:id="rId24"/>
+      <p:bold r:id="rId25"/>
+      <p:italic r:id="rId26"/>
+      <p:boldItalic r:id="rId27"/>
     </p:embeddedFont>
   </p:embeddedFontLst>
   <p:defaultTextStyle>
@@ -1500,7 +1501,7 @@
     </p:spTree>
     <p:extLst>
       <p:ext uri="{BB962C8B-B14F-4D97-AF65-F5344CB8AC3E}">
-        <p14:creationId xmlns:p14="http://schemas.microsoft.com/office/powerpoint/2010/main" val="2826546532"/>
+        <p14:creationId xmlns:p14="http://schemas.microsoft.com/office/powerpoint/2010/main" val="1567744872"/>
       </p:ext>
     </p:extLst>
   </p:cSld>
@@ -1609,7 +1610,7 @@
     </p:spTree>
     <p:extLst>
       <p:ext uri="{BB962C8B-B14F-4D97-AF65-F5344CB8AC3E}">
-        <p14:creationId xmlns:p14="http://schemas.microsoft.com/office/powerpoint/2010/main" val="2942862253"/>
+        <p14:creationId xmlns:p14="http://schemas.microsoft.com/office/powerpoint/2010/main" val="2826546532"/>
       </p:ext>
     </p:extLst>
   </p:cSld>
@@ -1718,6 +1719,115 @@
     </p:spTree>
     <p:extLst>
       <p:ext uri="{BB962C8B-B14F-4D97-AF65-F5344CB8AC3E}">
+        <p14:creationId xmlns:p14="http://schemas.microsoft.com/office/powerpoint/2010/main" val="2942862253"/>
+      </p:ext>
+    </p:extLst>
+  </p:cSld>
+  <p:clrMapOvr>
+    <a:masterClrMapping/>
+  </p:clrMapOvr>
+</p:notes>
+</file>
+
+<file path=ppt/notesSlides/notesSlide14.xml><?xml version="1.0" encoding="utf-8"?>
+<p:notes xmlns:a="http://schemas.openxmlformats.org/drawingml/2006/main" xmlns:r="http://schemas.openxmlformats.org/officeDocument/2006/relationships" xmlns:p="http://schemas.openxmlformats.org/presentationml/2006/main" showMasterSp="0" showMasterPhAnim="0">
+  <p:cSld>
+    <p:spTree>
+      <p:nvGrpSpPr>
+        <p:cNvPr id="1" name="Shape 3059"/>
+        <p:cNvGrpSpPr/>
+        <p:nvPr/>
+      </p:nvGrpSpPr>
+      <p:grpSpPr>
+        <a:xfrm>
+          <a:off x="0" y="0"/>
+          <a:ext cx="0" cy="0"/>
+          <a:chOff x="0" y="0"/>
+          <a:chExt cx="0" cy="0"/>
+        </a:xfrm>
+      </p:grpSpPr>
+      <p:sp>
+        <p:nvSpPr>
+          <p:cNvPr id="3060" name="Google Shape;3060;ge045329034_0_3:notes"/>
+          <p:cNvSpPr>
+            <a:spLocks noGrp="1" noRot="1" noChangeAspect="1"/>
+          </p:cNvSpPr>
+          <p:nvPr>
+            <p:ph type="sldImg" idx="2"/>
+          </p:nvPr>
+        </p:nvSpPr>
+        <p:spPr>
+          <a:xfrm>
+            <a:off x="381000" y="685800"/>
+            <a:ext cx="6096000" cy="3429000"/>
+          </a:xfrm>
+          <a:custGeom>
+            <a:avLst/>
+            <a:gdLst/>
+            <a:ahLst/>
+            <a:cxnLst/>
+            <a:rect l="l" t="t" r="r" b="b"/>
+            <a:pathLst>
+              <a:path w="120000" h="120000" extrusionOk="0">
+                <a:moveTo>
+                  <a:pt x="0" y="0"/>
+                </a:moveTo>
+                <a:lnTo>
+                  <a:pt x="120000" y="0"/>
+                </a:lnTo>
+                <a:lnTo>
+                  <a:pt x="120000" y="120000"/>
+                </a:lnTo>
+                <a:lnTo>
+                  <a:pt x="0" y="120000"/>
+                </a:lnTo>
+                <a:close/>
+              </a:path>
+            </a:pathLst>
+          </a:custGeom>
+        </p:spPr>
+      </p:sp>
+      <p:sp>
+        <p:nvSpPr>
+          <p:cNvPr id="3061" name="Google Shape;3061;ge045329034_0_3:notes"/>
+          <p:cNvSpPr txBox="1">
+            <a:spLocks noGrp="1"/>
+          </p:cNvSpPr>
+          <p:nvPr>
+            <p:ph type="body" idx="1"/>
+          </p:nvPr>
+        </p:nvSpPr>
+        <p:spPr>
+          <a:xfrm>
+            <a:off x="685800" y="4343400"/>
+            <a:ext cx="5486400" cy="4114800"/>
+          </a:xfrm>
+          <a:prstGeom prst="rect">
+            <a:avLst/>
+          </a:prstGeom>
+        </p:spPr>
+        <p:txBody>
+          <a:bodyPr spcFirstLastPara="1" wrap="square" lIns="91425" tIns="91425" rIns="91425" bIns="91425" anchor="t" anchorCtr="0">
+            <a:noAutofit/>
+          </a:bodyPr>
+          <a:lstStyle/>
+          <a:p>
+            <a:pPr marL="0" lvl="0" indent="0" algn="l" rtl="0">
+              <a:spcBef>
+                <a:spcPts val="0"/>
+              </a:spcBef>
+              <a:spcAft>
+                <a:spcPts val="0"/>
+              </a:spcAft>
+              <a:buNone/>
+            </a:pPr>
+            <a:endParaRPr/>
+          </a:p>
+        </p:txBody>
+      </p:sp>
+    </p:spTree>
+    <p:extLst>
+      <p:ext uri="{BB962C8B-B14F-4D97-AF65-F5344CB8AC3E}">
         <p14:creationId xmlns:p14="http://schemas.microsoft.com/office/powerpoint/2010/main" val="3255305899"/>
       </p:ext>
     </p:extLst>
@@ -1728,7 +1838,7 @@
 </p:notes>
 </file>
 
-<file path=ppt/notesSlides/notesSlide14.xml><?xml version="1.0" encoding="utf-8"?>
+<file path=ppt/notesSlides/notesSlide15.xml><?xml version="1.0" encoding="utf-8"?>
 <p:notes xmlns:a="http://schemas.openxmlformats.org/drawingml/2006/main" xmlns:r="http://schemas.openxmlformats.org/officeDocument/2006/relationships" xmlns:p="http://schemas.openxmlformats.org/presentationml/2006/main" showMasterSp="0" showMasterPhAnim="0">
   <p:cSld>
     <p:spTree>
@@ -30359,6 +30469,157 @@
           </a:bodyPr>
           <a:lstStyle/>
           <a:p>
+            <a:r>
+              <a:rPr lang="en-CA" sz="3200" dirty="0"/>
+              <a:t>WINE SUGGESTIONS</a:t>
+            </a:r>
+          </a:p>
+        </p:txBody>
+      </p:sp>
+      <p:sp>
+        <p:nvSpPr>
+          <p:cNvPr id="3066" name="Google Shape;3066;p72"/>
+          <p:cNvSpPr txBox="1">
+            <a:spLocks noGrp="1"/>
+          </p:cNvSpPr>
+          <p:nvPr>
+            <p:ph type="subTitle" idx="2"/>
+          </p:nvPr>
+        </p:nvSpPr>
+        <p:spPr>
+          <a:xfrm>
+            <a:off x="-57150" y="1195922"/>
+            <a:ext cx="3751433" cy="2551485"/>
+          </a:xfrm>
+          <a:prstGeom prst="rect">
+            <a:avLst/>
+          </a:prstGeom>
+        </p:spPr>
+        <p:txBody>
+          <a:bodyPr spcFirstLastPara="1" wrap="square" lIns="91425" tIns="91425" rIns="91425" bIns="91425" anchor="t" anchorCtr="0">
+            <a:noAutofit/>
+          </a:bodyPr>
+          <a:lstStyle/>
+          <a:p>
+            <a:pPr marL="438150" indent="-285750">
+              <a:buSzPts val="1200"/>
+              <a:buFont typeface="Courier New" panose="02070309020205020404" pitchFamily="49" charset="0"/>
+              <a:buChar char="o"/>
+            </a:pPr>
+            <a:r>
+              <a:rPr lang="en-CA" dirty="0"/>
+              <a:t>Will display a list of wine suggestions taken from the Internet using JSON/GSON and wine API.</a:t>
+            </a:r>
+            <a:endParaRPr lang="en-US" sz="1300" dirty="0">
+              <a:solidFill>
+                <a:schemeClr val="dk2"/>
+              </a:solidFill>
+            </a:endParaRPr>
+          </a:p>
+        </p:txBody>
+      </p:sp>
+      <p:pic>
+        <p:nvPicPr>
+          <p:cNvPr id="1026" name="Picture 2">
+            <a:extLst>
+              <a:ext uri="{FF2B5EF4-FFF2-40B4-BE49-F238E27FC236}">
+                <a16:creationId xmlns:a16="http://schemas.microsoft.com/office/drawing/2014/main" id="{9CC8DC95-D848-4AAD-B48D-139DA0E10CEF}"/>
+              </a:ext>
+            </a:extLst>
+          </p:cNvPr>
+          <p:cNvPicPr>
+            <a:picLocks noChangeAspect="1" noChangeArrowheads="1"/>
+          </p:cNvPicPr>
+          <p:nvPr/>
+        </p:nvPicPr>
+        <p:blipFill>
+          <a:blip r:embed="rId3">
+            <a:extLst>
+              <a:ext uri="{28A0092B-C50C-407E-A947-70E740481C1C}">
+                <a14:useLocalDpi xmlns:a14="http://schemas.microsoft.com/office/drawing/2010/main" val="0"/>
+              </a:ext>
+            </a:extLst>
+          </a:blip>
+          <a:srcRect/>
+          <a:stretch>
+            <a:fillRect/>
+          </a:stretch>
+        </p:blipFill>
+        <p:spPr bwMode="auto">
+          <a:xfrm>
+            <a:off x="1112292" y="1004200"/>
+            <a:ext cx="7640185" cy="4032320"/>
+          </a:xfrm>
+          <a:prstGeom prst="rect">
+            <a:avLst/>
+          </a:prstGeom>
+          <a:noFill/>
+          <a:extLst>
+            <a:ext uri="{909E8E84-426E-40DD-AFC4-6F175D3DCCD1}">
+              <a14:hiddenFill xmlns:a14="http://schemas.microsoft.com/office/drawing/2010/main">
+                <a:solidFill>
+                  <a:srgbClr val="FFFFFF"/>
+                </a:solidFill>
+              </a14:hiddenFill>
+            </a:ext>
+          </a:extLst>
+        </p:spPr>
+      </p:pic>
+    </p:spTree>
+    <p:extLst>
+      <p:ext uri="{BB962C8B-B14F-4D97-AF65-F5344CB8AC3E}">
+        <p14:creationId xmlns:p14="http://schemas.microsoft.com/office/powerpoint/2010/main" val="1573593889"/>
+      </p:ext>
+    </p:extLst>
+  </p:cSld>
+  <p:clrMapOvr>
+    <a:masterClrMapping/>
+  </p:clrMapOvr>
+</p:sld>
+</file>
+
+<file path=ppt/slides/slide12.xml><?xml version="1.0" encoding="utf-8"?>
+<p:sld xmlns:a="http://schemas.openxmlformats.org/drawingml/2006/main" xmlns:r="http://schemas.openxmlformats.org/officeDocument/2006/relationships" xmlns:p="http://schemas.openxmlformats.org/presentationml/2006/main">
+  <p:cSld>
+    <p:spTree>
+      <p:nvGrpSpPr>
+        <p:cNvPr id="1" name="Shape 3062"/>
+        <p:cNvGrpSpPr/>
+        <p:nvPr/>
+      </p:nvGrpSpPr>
+      <p:grpSpPr>
+        <a:xfrm>
+          <a:off x="0" y="0"/>
+          <a:ext cx="0" cy="0"/>
+          <a:chOff x="0" y="0"/>
+          <a:chExt cx="0" cy="0"/>
+        </a:xfrm>
+      </p:grpSpPr>
+      <p:sp>
+        <p:nvSpPr>
+          <p:cNvPr id="3063" name="Google Shape;3063;p72"/>
+          <p:cNvSpPr txBox="1">
+            <a:spLocks noGrp="1"/>
+          </p:cNvSpPr>
+          <p:nvPr>
+            <p:ph type="title" idx="6"/>
+          </p:nvPr>
+        </p:nvSpPr>
+        <p:spPr>
+          <a:xfrm>
+            <a:off x="603383" y="431500"/>
+            <a:ext cx="7793400" cy="572700"/>
+          </a:xfrm>
+          <a:prstGeom prst="rect">
+            <a:avLst/>
+          </a:prstGeom>
+        </p:spPr>
+        <p:txBody>
+          <a:bodyPr spcFirstLastPara="1" wrap="square" lIns="91425" tIns="91425" rIns="91425" bIns="91425" anchor="ctr" anchorCtr="0">
+            <a:noAutofit/>
+          </a:bodyPr>
+          <a:lstStyle/>
+          <a:p>
             <a:pPr marL="0" lvl="0" indent="0" algn="l" rtl="0">
               <a:spcBef>
                 <a:spcPts val="0"/>
@@ -30446,7 +30707,7 @@
 </p:sld>
 </file>
 
-<file path=ppt/slides/slide12.xml><?xml version="1.0" encoding="utf-8"?>
+<file path=ppt/slides/slide13.xml><?xml version="1.0" encoding="utf-8"?>
 <p:sld xmlns:a="http://schemas.openxmlformats.org/drawingml/2006/main" xmlns:r="http://schemas.openxmlformats.org/officeDocument/2006/relationships" xmlns:p="http://schemas.openxmlformats.org/presentationml/2006/main">
   <p:cSld>
     <p:spTree>
@@ -32446,7 +32707,7 @@
 </p:sld>
 </file>
 
-<file path=ppt/slides/slide13.xml><?xml version="1.0" encoding="utf-8"?>
+<file path=ppt/slides/slide14.xml><?xml version="1.0" encoding="utf-8"?>
 <p:sld xmlns:a="http://schemas.openxmlformats.org/drawingml/2006/main" xmlns:r="http://schemas.openxmlformats.org/officeDocument/2006/relationships" xmlns:p="http://schemas.openxmlformats.org/presentationml/2006/main">
   <p:cSld>
     <p:spTree>
@@ -32950,7 +33211,7 @@
 </p:sld>
 </file>
 
-<file path=ppt/slides/slide14.xml><?xml version="1.0" encoding="utf-8"?>
+<file path=ppt/slides/slide15.xml><?xml version="1.0" encoding="utf-8"?>
 <p:sld xmlns:a="http://schemas.openxmlformats.org/drawingml/2006/main" xmlns:r="http://schemas.openxmlformats.org/officeDocument/2006/relationships" xmlns:p="http://schemas.openxmlformats.org/presentationml/2006/main">
   <p:cSld>
     <p:spTree>
@@ -36185,7 +36446,7 @@
             </a:pPr>
             <a:r>
               <a:rPr lang="en-CA" sz="3200" dirty="0"/>
-              <a:t>Tasted Collection</a:t>
+              <a:t>TASTED COLLECTION</a:t>
             </a:r>
           </a:p>
         </p:txBody>

--- a/MyCellar Presentation.pptx
+++ b/MyCellar Presentation.pptx
@@ -35572,7 +35572,7 @@
         <p:spPr>
           <a:xfrm>
             <a:off x="2859464" y="4050937"/>
-            <a:ext cx="1564749" cy="531600"/>
+            <a:ext cx="1652466" cy="531600"/>
           </a:xfrm>
           <a:prstGeom prst="rect">
             <a:avLst/>
@@ -35836,7 +35836,7 @@
           <a:p>
             <a:r>
               <a:rPr lang="en-CA" sz="1800" dirty="0"/>
-              <a:t>Settings</a:t>
+              <a:t>Wine suggestions</a:t>
             </a:r>
           </a:p>
         </p:txBody>

--- a/MyCellar Presentation.pptx
+++ b/MyCellar Presentation.pptx
@@ -36110,7 +36110,7 @@
             </a:pPr>
             <a:r>
               <a:rPr lang="en-US" sz="1600" dirty="0"/>
-              <a:t>The Login view of the application will have an option to remember the username, this will make the sign in process more efficient as the user will spent less time entering their credentials.</a:t>
+              <a:t>The Login screen of the application will have an option to remember the username, this will make the sign in process more efficient as the user will spent less time entering their credentials.</a:t>
             </a:r>
           </a:p>
           <a:p>
